--- a/04 Predavanje/RSII -Lesson 04.pptx
+++ b/04 Predavanje/RSII -Lesson 04.pptx
@@ -481,7 +481,7 @@
           <a:p>
             <a:fld id="{15035703-D400-4EF5-A2AE-ED6E4FE3E5CF}" type="datetimeFigureOut">
               <a:rPr lang="en-US" smtClean="0"/>
-              <a:t>3/29/2019</a:t>
+              <a:t>3/30/2019</a:t>
             </a:fld>
             <a:endParaRPr lang="en-US"/>
           </a:p>
@@ -1086,7 +1086,7 @@
           <a:p>
             <a:fld id="{6A45F5DA-80C0-4E26-8569-7C96D16729C3}" type="datetimeFigureOut">
               <a:rPr lang="en-US" smtClean="0"/>
-              <a:t>3/29/2019</a:t>
+              <a:t>3/30/2019</a:t>
             </a:fld>
             <a:endParaRPr lang="en-US"/>
           </a:p>
@@ -1284,7 +1284,7 @@
           <a:p>
             <a:fld id="{6A45F5DA-80C0-4E26-8569-7C96D16729C3}" type="datetimeFigureOut">
               <a:rPr lang="en-US" smtClean="0"/>
-              <a:t>3/29/2019</a:t>
+              <a:t>3/30/2019</a:t>
             </a:fld>
             <a:endParaRPr lang="en-US"/>
           </a:p>
@@ -1492,7 +1492,7 @@
           <a:p>
             <a:fld id="{6A45F5DA-80C0-4E26-8569-7C96D16729C3}" type="datetimeFigureOut">
               <a:rPr lang="en-US" smtClean="0"/>
-              <a:t>3/29/2019</a:t>
+              <a:t>3/30/2019</a:t>
             </a:fld>
             <a:endParaRPr lang="en-US"/>
           </a:p>
@@ -1690,7 +1690,7 @@
           <a:p>
             <a:fld id="{6A45F5DA-80C0-4E26-8569-7C96D16729C3}" type="datetimeFigureOut">
               <a:rPr lang="en-US" smtClean="0"/>
-              <a:t>3/29/2019</a:t>
+              <a:t>3/30/2019</a:t>
             </a:fld>
             <a:endParaRPr lang="en-US"/>
           </a:p>
@@ -1965,7 +1965,7 @@
           <a:p>
             <a:fld id="{6A45F5DA-80C0-4E26-8569-7C96D16729C3}" type="datetimeFigureOut">
               <a:rPr lang="en-US" smtClean="0"/>
-              <a:t>3/29/2019</a:t>
+              <a:t>3/30/2019</a:t>
             </a:fld>
             <a:endParaRPr lang="en-US"/>
           </a:p>
@@ -2230,7 +2230,7 @@
           <a:p>
             <a:fld id="{6A45F5DA-80C0-4E26-8569-7C96D16729C3}" type="datetimeFigureOut">
               <a:rPr lang="en-US" smtClean="0"/>
-              <a:t>3/29/2019</a:t>
+              <a:t>3/30/2019</a:t>
             </a:fld>
             <a:endParaRPr lang="en-US"/>
           </a:p>
@@ -2642,7 +2642,7 @@
           <a:p>
             <a:fld id="{6A45F5DA-80C0-4E26-8569-7C96D16729C3}" type="datetimeFigureOut">
               <a:rPr lang="en-US" smtClean="0"/>
-              <a:t>3/29/2019</a:t>
+              <a:t>3/30/2019</a:t>
             </a:fld>
             <a:endParaRPr lang="en-US"/>
           </a:p>
@@ -2783,7 +2783,7 @@
           <a:p>
             <a:fld id="{6A45F5DA-80C0-4E26-8569-7C96D16729C3}" type="datetimeFigureOut">
               <a:rPr lang="en-US" smtClean="0"/>
-              <a:t>3/29/2019</a:t>
+              <a:t>3/30/2019</a:t>
             </a:fld>
             <a:endParaRPr lang="en-US"/>
           </a:p>
@@ -2896,7 +2896,7 @@
           <a:p>
             <a:fld id="{6A45F5DA-80C0-4E26-8569-7C96D16729C3}" type="datetimeFigureOut">
               <a:rPr lang="en-US" smtClean="0"/>
-              <a:t>3/29/2019</a:t>
+              <a:t>3/30/2019</a:t>
             </a:fld>
             <a:endParaRPr lang="en-US"/>
           </a:p>
@@ -3207,7 +3207,7 @@
           <a:p>
             <a:fld id="{6A45F5DA-80C0-4E26-8569-7C96D16729C3}" type="datetimeFigureOut">
               <a:rPr lang="en-US" smtClean="0"/>
-              <a:t>3/29/2019</a:t>
+              <a:t>3/30/2019</a:t>
             </a:fld>
             <a:endParaRPr lang="en-US"/>
           </a:p>
@@ -3495,7 +3495,7 @@
           <a:p>
             <a:fld id="{6A45F5DA-80C0-4E26-8569-7C96D16729C3}" type="datetimeFigureOut">
               <a:rPr lang="en-US" smtClean="0"/>
-              <a:t>3/29/2019</a:t>
+              <a:t>3/30/2019</a:t>
             </a:fld>
             <a:endParaRPr lang="en-US"/>
           </a:p>
@@ -3736,7 +3736,7 @@
           <a:p>
             <a:fld id="{6A45F5DA-80C0-4E26-8569-7C96D16729C3}" type="datetimeFigureOut">
               <a:rPr lang="en-US" smtClean="0"/>
-              <a:t>3/29/2019</a:t>
+              <a:t>3/30/2019</a:t>
             </a:fld>
             <a:endParaRPr lang="en-US"/>
           </a:p>
@@ -5272,25 +5272,7 @@
                 </a:solidFill>
                 <a:latin typeface="Consolas" panose="020B0609020204030204" pitchFamily="49" charset="0"/>
               </a:rPr>
-              <a:t>$"</a:t>
-            </a:r>
-            <a:r>
-              <a:rPr lang="en-US" sz="1600" dirty="0" err="1">
-                <a:solidFill>
-                  <a:srgbClr val="A31515"/>
-                </a:solidFill>
-                <a:latin typeface="Consolas" panose="020B0609020204030204" pitchFamily="49" charset="0"/>
-              </a:rPr>
-              <a:t>Moview</a:t>
-            </a:r>
-            <a:r>
-              <a:rPr lang="en-US" sz="1600" dirty="0">
-                <a:solidFill>
-                  <a:srgbClr val="A31515"/>
-                </a:solidFill>
-                <a:latin typeface="Consolas" panose="020B0609020204030204" pitchFamily="49" charset="0"/>
-              </a:rPr>
-              <a:t> (</a:t>
+              <a:t>$"Movie (</a:t>
             </a:r>
             <a:r>
               <a:rPr lang="en-US" sz="1600" dirty="0">
@@ -6450,15 +6432,7 @@
           <a:p>
             <a:r>
               <a:rPr lang="bs-Latn-BA" dirty="0"/>
-              <a:t>Pri generiranju novog </a:t>
-            </a:r>
-            <a:r>
-              <a:rPr lang="bs-Latn-BA" dirty="0" err="1"/>
-              <a:t>objecta</a:t>
-            </a:r>
-            <a:r>
-              <a:rPr lang="bs-Latn-BA" dirty="0"/>
-              <a:t> sa ovim </a:t>
+              <a:t>Pri generiranju novog objekta sa ovim </a:t>
             </a:r>
             <a:r>
               <a:rPr lang="bs-Latn-BA" dirty="0" err="1"/>
